--- a/neo4j/cypher_fundamentals/Cypher_Fundamentals.pptx
+++ b/neo4j/cypher_fundamentals/Cypher_Fundamentals.pptx
@@ -5,17 +5,18 @@
     <p:sldMasterId id="2147483660" r:id="rId4"/>
   </p:sldMasterIdLst>
   <p:notesMasterIdLst>
-    <p:notesMasterId r:id="rId10"/>
+    <p:notesMasterId r:id="rId11"/>
   </p:notesMasterIdLst>
   <p:handoutMasterIdLst>
-    <p:handoutMasterId r:id="rId11"/>
+    <p:handoutMasterId r:id="rId12"/>
   </p:handoutMasterIdLst>
   <p:sldIdLst>
     <p:sldId id="257" r:id="rId5"/>
     <p:sldId id="268" r:id="rId6"/>
     <p:sldId id="280" r:id="rId7"/>
     <p:sldId id="281" r:id="rId8"/>
-    <p:sldId id="279" r:id="rId9"/>
+    <p:sldId id="282" r:id="rId9"/>
+    <p:sldId id="279" r:id="rId10"/>
   </p:sldIdLst>
   <p:sldSz cx="12188825" cy="6858000"/>
   <p:notesSz cx="6858000" cy="9144000"/>
@@ -123,6 +124,7 @@
             <p14:sldId id="268"/>
             <p14:sldId id="280"/>
             <p14:sldId id="281"/>
+            <p14:sldId id="282"/>
             <p14:sldId id="279"/>
           </p14:sldIdLst>
         </p14:section>
@@ -6084,6 +6086,266 @@
 </file>
 
 <file path=ppt/slides/slide5.xml><?xml version="1.0" encoding="utf-8"?>
+<p:sld xmlns:a="http://schemas.openxmlformats.org/drawingml/2006/main" xmlns:r="http://schemas.openxmlformats.org/officeDocument/2006/relationships" xmlns:p="http://schemas.openxmlformats.org/presentationml/2006/main">
+  <p:cSld>
+    <p:spTree>
+      <p:nvGrpSpPr>
+        <p:cNvPr id="1" name="">
+          <a:extLst>
+            <a:ext uri="{FF2B5EF4-FFF2-40B4-BE49-F238E27FC236}">
+              <a16:creationId xmlns:a16="http://schemas.microsoft.com/office/drawing/2014/main" id="{E457E3E4-B367-E16B-E336-4D4537585730}"/>
+            </a:ext>
+          </a:extLst>
+        </p:cNvPr>
+        <p:cNvGrpSpPr/>
+        <p:nvPr/>
+      </p:nvGrpSpPr>
+      <p:grpSpPr>
+        <a:xfrm>
+          <a:off x="0" y="0"/>
+          <a:ext cx="0" cy="0"/>
+          <a:chOff x="0" y="0"/>
+          <a:chExt cx="0" cy="0"/>
+        </a:xfrm>
+      </p:grpSpPr>
+      <p:sp>
+        <p:nvSpPr>
+          <p:cNvPr id="13" name="Title 12">
+            <a:extLst>
+              <a:ext uri="{FF2B5EF4-FFF2-40B4-BE49-F238E27FC236}">
+                <a16:creationId xmlns:a16="http://schemas.microsoft.com/office/drawing/2014/main" id="{A7818B61-FCFF-A06B-3649-0055817E0CA1}"/>
+              </a:ext>
+            </a:extLst>
+          </p:cNvPr>
+          <p:cNvSpPr>
+            <a:spLocks noGrp="1"/>
+          </p:cNvSpPr>
+          <p:nvPr>
+            <p:ph type="title"/>
+          </p:nvPr>
+        </p:nvSpPr>
+        <p:spPr>
+          <a:xfrm>
+            <a:off x="3848448" y="789138"/>
+            <a:ext cx="7656163" cy="1223963"/>
+          </a:xfrm>
+        </p:spPr>
+        <p:txBody>
+          <a:bodyPr anchor="ctr">
+            <a:normAutofit/>
+          </a:bodyPr>
+          <a:lstStyle/>
+          <a:p>
+            <a:r>
+              <a:rPr lang="en-US" sz="4800" b="1" dirty="0"/>
+              <a:t>2. </a:t>
+            </a:r>
+            <a:r>
+              <a:rPr lang="en-US" altLang="zh-CN" sz="4800" b="1" dirty="0"/>
+              <a:t>Writing </a:t>
+            </a:r>
+            <a:r>
+              <a:rPr lang="en-US" sz="4800" b="1" dirty="0"/>
+              <a:t>Data to Neo4j</a:t>
+            </a:r>
+            <a:endParaRPr lang="en-US" sz="4400" dirty="0"/>
+          </a:p>
+        </p:txBody>
+      </p:sp>
+      <p:sp>
+        <p:nvSpPr>
+          <p:cNvPr id="2" name="Title 1">
+            <a:extLst>
+              <a:ext uri="{FF2B5EF4-FFF2-40B4-BE49-F238E27FC236}">
+                <a16:creationId xmlns:a16="http://schemas.microsoft.com/office/drawing/2014/main" id="{95DF0929-C8C8-CF52-341B-BB0735049657}"/>
+              </a:ext>
+            </a:extLst>
+          </p:cNvPr>
+          <p:cNvSpPr txBox="1">
+            <a:spLocks/>
+          </p:cNvSpPr>
+          <p:nvPr/>
+        </p:nvSpPr>
+        <p:spPr>
+          <a:xfrm>
+            <a:off x="836612" y="28876"/>
+            <a:ext cx="6145636" cy="863600"/>
+          </a:xfrm>
+          <a:prstGeom prst="rect">
+            <a:avLst/>
+          </a:prstGeom>
+        </p:spPr>
+        <p:txBody>
+          <a:bodyPr vert="horz" lIns="121899" tIns="60949" rIns="121899" bIns="60949" rtlCol="0" anchor="ctr">
+            <a:normAutofit fontScale="92500"/>
+          </a:bodyPr>
+          <a:lstStyle>
+            <a:lvl1pPr algn="l" defTabSz="1218987" rtl="0" eaLnBrk="1" latinLnBrk="0" hangingPunct="1">
+              <a:lnSpc>
+                <a:spcPct val="90000"/>
+              </a:lnSpc>
+              <a:spcBef>
+                <a:spcPct val="0"/>
+              </a:spcBef>
+              <a:buNone/>
+              <a:defRPr sz="3600" kern="1200">
+                <a:solidFill>
+                  <a:schemeClr val="tx1"/>
+                </a:solidFill>
+                <a:latin typeface="+mj-lt"/>
+                <a:ea typeface="+mj-ea"/>
+                <a:cs typeface="+mj-cs"/>
+              </a:defRPr>
+            </a:lvl1pPr>
+          </a:lstStyle>
+          <a:p>
+            <a:r>
+              <a:rPr lang="en-US" sz="5400" dirty="0"/>
+              <a:t>Cypher Fundamentals</a:t>
+            </a:r>
+          </a:p>
+        </p:txBody>
+      </p:sp>
+      <p:sp>
+        <p:nvSpPr>
+          <p:cNvPr id="5" name="TextBox 4">
+            <a:extLst>
+              <a:ext uri="{FF2B5EF4-FFF2-40B4-BE49-F238E27FC236}">
+                <a16:creationId xmlns:a16="http://schemas.microsoft.com/office/drawing/2014/main" id="{940F33BC-2BD8-777E-E5D9-DDCAE8A45B64}"/>
+              </a:ext>
+            </a:extLst>
+          </p:cNvPr>
+          <p:cNvSpPr txBox="1"/>
+          <p:nvPr/>
+        </p:nvSpPr>
+        <p:spPr>
+          <a:xfrm>
+            <a:off x="2299246" y="685800"/>
+            <a:ext cx="1329210" cy="1446550"/>
+          </a:xfrm>
+          <a:prstGeom prst="rect">
+            <a:avLst/>
+          </a:prstGeom>
+          <a:noFill/>
+        </p:spPr>
+        <p:txBody>
+          <a:bodyPr wrap="none" rtlCol="0" anchor="ctr">
+            <a:spAutoFit/>
+          </a:bodyPr>
+          <a:lstStyle/>
+          <a:p>
+            <a:pPr algn="ctr"/>
+            <a:r>
+              <a:rPr lang="en-US" sz="8800" b="1" dirty="0"/>
+              <a:t>03</a:t>
+            </a:r>
+          </a:p>
+        </p:txBody>
+      </p:sp>
+      <p:pic>
+        <p:nvPicPr>
+          <p:cNvPr id="6" name="Picture 5">
+            <a:extLst>
+              <a:ext uri="{FF2B5EF4-FFF2-40B4-BE49-F238E27FC236}">
+                <a16:creationId xmlns:a16="http://schemas.microsoft.com/office/drawing/2014/main" id="{E386E906-AC4C-1792-D9D1-4D9DC02AD9CC}"/>
+              </a:ext>
+            </a:extLst>
+          </p:cNvPr>
+          <p:cNvPicPr>
+            <a:picLocks noChangeAspect="1"/>
+          </p:cNvPicPr>
+          <p:nvPr/>
+        </p:nvPicPr>
+        <p:blipFill>
+          <a:blip r:embed="rId2"/>
+          <a:stretch>
+            <a:fillRect/>
+          </a:stretch>
+        </p:blipFill>
+        <p:spPr>
+          <a:xfrm>
+            <a:off x="0" y="789138"/>
+            <a:ext cx="2385815" cy="1239873"/>
+          </a:xfrm>
+          <a:prstGeom prst="rect">
+            <a:avLst/>
+          </a:prstGeom>
+          <a:ln>
+            <a:noFill/>
+          </a:ln>
+          <a:effectLst>
+            <a:softEdge rad="112500"/>
+          </a:effectLst>
+        </p:spPr>
+      </p:pic>
+      <p:pic>
+        <p:nvPicPr>
+          <p:cNvPr id="7" name="Picture 6">
+            <a:extLst>
+              <a:ext uri="{FF2B5EF4-FFF2-40B4-BE49-F238E27FC236}">
+                <a16:creationId xmlns:a16="http://schemas.microsoft.com/office/drawing/2014/main" id="{73FBC90C-5F03-4164-FA55-8F9B3E38E81A}"/>
+              </a:ext>
+            </a:extLst>
+          </p:cNvPr>
+          <p:cNvPicPr>
+            <a:picLocks noChangeAspect="1"/>
+          </p:cNvPicPr>
+          <p:nvPr/>
+        </p:nvPicPr>
+        <p:blipFill>
+          <a:blip r:embed="rId3">
+            <a:alphaModFix amt="85000"/>
+          </a:blip>
+          <a:stretch>
+            <a:fillRect/>
+          </a:stretch>
+        </p:blipFill>
+        <p:spPr>
+          <a:xfrm>
+            <a:off x="2401760" y="1981200"/>
+            <a:ext cx="8345043" cy="4722718"/>
+          </a:xfrm>
+          <a:prstGeom prst="rect">
+            <a:avLst/>
+          </a:prstGeom>
+          <a:ln>
+            <a:noFill/>
+          </a:ln>
+          <a:effectLst>
+            <a:outerShdw blurRad="292100" dist="139700" dir="2700000" algn="tl" rotWithShape="0">
+              <a:srgbClr val="333333">
+                <a:alpha val="65000"/>
+              </a:srgbClr>
+            </a:outerShdw>
+          </a:effectLst>
+        </p:spPr>
+      </p:pic>
+    </p:spTree>
+    <p:extLst>
+      <p:ext uri="{BB962C8B-B14F-4D97-AF65-F5344CB8AC3E}">
+        <p14:creationId xmlns:p14="http://schemas.microsoft.com/office/powerpoint/2010/main" val="765382107"/>
+      </p:ext>
+    </p:extLst>
+  </p:cSld>
+  <p:clrMapOvr>
+    <a:masterClrMapping/>
+  </p:clrMapOvr>
+  <mc:AlternateContent xmlns:mc="http://schemas.openxmlformats.org/markup-compatibility/2006">
+    <mc:Choice xmlns:p14="http://schemas.microsoft.com/office/powerpoint/2010/main" Requires="p14">
+      <p:transition spd="med" p14:dur="700">
+        <p:fade/>
+      </p:transition>
+    </mc:Choice>
+    <mc:Fallback>
+      <p:transition spd="med">
+        <p:fade/>
+      </p:transition>
+    </mc:Fallback>
+  </mc:AlternateContent>
+</p:sld>
+</file>
+
+<file path=ppt/slides/slide6.xml><?xml version="1.0" encoding="utf-8"?>
 <p:sld xmlns:a="http://schemas.openxmlformats.org/drawingml/2006/main" xmlns:r="http://schemas.openxmlformats.org/officeDocument/2006/relationships" xmlns:p="http://schemas.openxmlformats.org/presentationml/2006/main">
   <p:cSld>
     <p:spTree>

--- a/neo4j/cypher_fundamentals/Cypher_Fundamentals.pptx
+++ b/neo4j/cypher_fundamentals/Cypher_Fundamentals.pptx
@@ -5,10 +5,10 @@
     <p:sldMasterId id="2147483660" r:id="rId4"/>
   </p:sldMasterIdLst>
   <p:notesMasterIdLst>
-    <p:notesMasterId r:id="rId11"/>
+    <p:notesMasterId r:id="rId13"/>
   </p:notesMasterIdLst>
   <p:handoutMasterIdLst>
-    <p:handoutMasterId r:id="rId12"/>
+    <p:handoutMasterId r:id="rId14"/>
   </p:handoutMasterIdLst>
   <p:sldIdLst>
     <p:sldId id="257" r:id="rId5"/>
@@ -16,7 +16,9 @@
     <p:sldId id="280" r:id="rId7"/>
     <p:sldId id="281" r:id="rId8"/>
     <p:sldId id="282" r:id="rId9"/>
-    <p:sldId id="279" r:id="rId10"/>
+    <p:sldId id="283" r:id="rId10"/>
+    <p:sldId id="284" r:id="rId11"/>
+    <p:sldId id="279" r:id="rId12"/>
   </p:sldIdLst>
   <p:sldSz cx="12188825" cy="6858000"/>
   <p:notesSz cx="6858000" cy="9144000"/>
@@ -125,6 +127,8 @@
             <p14:sldId id="280"/>
             <p14:sldId id="281"/>
             <p14:sldId id="282"/>
+            <p14:sldId id="283"/>
+            <p14:sldId id="284"/>
             <p14:sldId id="279"/>
           </p14:sldIdLst>
         </p14:section>
@@ -6237,7 +6241,7 @@
             <a:pPr algn="ctr"/>
             <a:r>
               <a:rPr lang="en-US" sz="8800" b="1" dirty="0"/>
-              <a:t>03</a:t>
+              <a:t>04</a:t>
             </a:r>
           </a:p>
         </p:txBody>
@@ -6346,6 +6350,526 @@
 </file>
 
 <file path=ppt/slides/slide6.xml><?xml version="1.0" encoding="utf-8"?>
+<p:sld xmlns:a="http://schemas.openxmlformats.org/drawingml/2006/main" xmlns:r="http://schemas.openxmlformats.org/officeDocument/2006/relationships" xmlns:p="http://schemas.openxmlformats.org/presentationml/2006/main">
+  <p:cSld>
+    <p:spTree>
+      <p:nvGrpSpPr>
+        <p:cNvPr id="1" name="">
+          <a:extLst>
+            <a:ext uri="{FF2B5EF4-FFF2-40B4-BE49-F238E27FC236}">
+              <a16:creationId xmlns:a16="http://schemas.microsoft.com/office/drawing/2014/main" id="{A8F6D313-6EC2-4328-61AF-951E5851EE62}"/>
+            </a:ext>
+          </a:extLst>
+        </p:cNvPr>
+        <p:cNvGrpSpPr/>
+        <p:nvPr/>
+      </p:nvGrpSpPr>
+      <p:grpSpPr>
+        <a:xfrm>
+          <a:off x="0" y="0"/>
+          <a:ext cx="0" cy="0"/>
+          <a:chOff x="0" y="0"/>
+          <a:chExt cx="0" cy="0"/>
+        </a:xfrm>
+      </p:grpSpPr>
+      <p:sp>
+        <p:nvSpPr>
+          <p:cNvPr id="13" name="Title 12">
+            <a:extLst>
+              <a:ext uri="{FF2B5EF4-FFF2-40B4-BE49-F238E27FC236}">
+                <a16:creationId xmlns:a16="http://schemas.microsoft.com/office/drawing/2014/main" id="{AFEEEF39-AD60-4D0A-472A-A49BD5623FB9}"/>
+              </a:ext>
+            </a:extLst>
+          </p:cNvPr>
+          <p:cNvSpPr>
+            <a:spLocks noGrp="1"/>
+          </p:cNvSpPr>
+          <p:nvPr>
+            <p:ph type="title"/>
+          </p:nvPr>
+        </p:nvSpPr>
+        <p:spPr>
+          <a:xfrm>
+            <a:off x="3848448" y="789138"/>
+            <a:ext cx="7656163" cy="1223963"/>
+          </a:xfrm>
+        </p:spPr>
+        <p:txBody>
+          <a:bodyPr anchor="ctr">
+            <a:normAutofit/>
+          </a:bodyPr>
+          <a:lstStyle/>
+          <a:p>
+            <a:r>
+              <a:rPr lang="en-US" sz="4800" b="1" dirty="0"/>
+              <a:t>2. </a:t>
+            </a:r>
+            <a:r>
+              <a:rPr lang="en-US" altLang="zh-CN" sz="4800" b="1" dirty="0"/>
+              <a:t>Writing </a:t>
+            </a:r>
+            <a:r>
+              <a:rPr lang="en-US" sz="4800" b="1" dirty="0"/>
+              <a:t>Data to Neo4j</a:t>
+            </a:r>
+            <a:endParaRPr lang="en-US" sz="4400" dirty="0"/>
+          </a:p>
+        </p:txBody>
+      </p:sp>
+      <p:sp>
+        <p:nvSpPr>
+          <p:cNvPr id="2" name="Title 1">
+            <a:extLst>
+              <a:ext uri="{FF2B5EF4-FFF2-40B4-BE49-F238E27FC236}">
+                <a16:creationId xmlns:a16="http://schemas.microsoft.com/office/drawing/2014/main" id="{E036710F-315D-B825-2E1B-F485E53A6B0F}"/>
+              </a:ext>
+            </a:extLst>
+          </p:cNvPr>
+          <p:cNvSpPr txBox="1">
+            <a:spLocks/>
+          </p:cNvSpPr>
+          <p:nvPr/>
+        </p:nvSpPr>
+        <p:spPr>
+          <a:xfrm>
+            <a:off x="836612" y="28876"/>
+            <a:ext cx="6145636" cy="863600"/>
+          </a:xfrm>
+          <a:prstGeom prst="rect">
+            <a:avLst/>
+          </a:prstGeom>
+        </p:spPr>
+        <p:txBody>
+          <a:bodyPr vert="horz" lIns="121899" tIns="60949" rIns="121899" bIns="60949" rtlCol="0" anchor="ctr">
+            <a:normAutofit fontScale="92500"/>
+          </a:bodyPr>
+          <a:lstStyle>
+            <a:lvl1pPr algn="l" defTabSz="1218987" rtl="0" eaLnBrk="1" latinLnBrk="0" hangingPunct="1">
+              <a:lnSpc>
+                <a:spcPct val="90000"/>
+              </a:lnSpc>
+              <a:spcBef>
+                <a:spcPct val="0"/>
+              </a:spcBef>
+              <a:buNone/>
+              <a:defRPr sz="3600" kern="1200">
+                <a:solidFill>
+                  <a:schemeClr val="tx1"/>
+                </a:solidFill>
+                <a:latin typeface="+mj-lt"/>
+                <a:ea typeface="+mj-ea"/>
+                <a:cs typeface="+mj-cs"/>
+              </a:defRPr>
+            </a:lvl1pPr>
+          </a:lstStyle>
+          <a:p>
+            <a:r>
+              <a:rPr lang="en-US" sz="5400" dirty="0"/>
+              <a:t>Cypher Fundamentals</a:t>
+            </a:r>
+          </a:p>
+        </p:txBody>
+      </p:sp>
+      <p:sp>
+        <p:nvSpPr>
+          <p:cNvPr id="5" name="TextBox 4">
+            <a:extLst>
+              <a:ext uri="{FF2B5EF4-FFF2-40B4-BE49-F238E27FC236}">
+                <a16:creationId xmlns:a16="http://schemas.microsoft.com/office/drawing/2014/main" id="{6A58A29C-EA1D-9A8F-815A-B86FE6895E30}"/>
+              </a:ext>
+            </a:extLst>
+          </p:cNvPr>
+          <p:cNvSpPr txBox="1"/>
+          <p:nvPr/>
+        </p:nvSpPr>
+        <p:spPr>
+          <a:xfrm>
+            <a:off x="2299246" y="685800"/>
+            <a:ext cx="1329210" cy="1446550"/>
+          </a:xfrm>
+          <a:prstGeom prst="rect">
+            <a:avLst/>
+          </a:prstGeom>
+          <a:noFill/>
+        </p:spPr>
+        <p:txBody>
+          <a:bodyPr wrap="none" rtlCol="0" anchor="ctr">
+            <a:spAutoFit/>
+          </a:bodyPr>
+          <a:lstStyle/>
+          <a:p>
+            <a:pPr algn="ctr"/>
+            <a:r>
+              <a:rPr lang="en-US" sz="8800" b="1" dirty="0"/>
+              <a:t>05</a:t>
+            </a:r>
+          </a:p>
+        </p:txBody>
+      </p:sp>
+      <p:pic>
+        <p:nvPicPr>
+          <p:cNvPr id="6" name="Picture 5">
+            <a:extLst>
+              <a:ext uri="{FF2B5EF4-FFF2-40B4-BE49-F238E27FC236}">
+                <a16:creationId xmlns:a16="http://schemas.microsoft.com/office/drawing/2014/main" id="{A4231FEE-D66A-5F15-13C2-5B3DFE3E0F77}"/>
+              </a:ext>
+            </a:extLst>
+          </p:cNvPr>
+          <p:cNvPicPr>
+            <a:picLocks noChangeAspect="1"/>
+          </p:cNvPicPr>
+          <p:nvPr/>
+        </p:nvPicPr>
+        <p:blipFill>
+          <a:blip r:embed="rId2"/>
+          <a:stretch>
+            <a:fillRect/>
+          </a:stretch>
+        </p:blipFill>
+        <p:spPr>
+          <a:xfrm>
+            <a:off x="0" y="789138"/>
+            <a:ext cx="2385815" cy="1239873"/>
+          </a:xfrm>
+          <a:prstGeom prst="rect">
+            <a:avLst/>
+          </a:prstGeom>
+          <a:ln>
+            <a:noFill/>
+          </a:ln>
+          <a:effectLst>
+            <a:softEdge rad="112500"/>
+          </a:effectLst>
+        </p:spPr>
+      </p:pic>
+      <p:pic>
+        <p:nvPicPr>
+          <p:cNvPr id="9" name="Picture 8">
+            <a:extLst>
+              <a:ext uri="{FF2B5EF4-FFF2-40B4-BE49-F238E27FC236}">
+                <a16:creationId xmlns:a16="http://schemas.microsoft.com/office/drawing/2014/main" id="{9CBEED1D-4150-1291-A84C-69238D69C6D4}"/>
+              </a:ext>
+            </a:extLst>
+          </p:cNvPr>
+          <p:cNvPicPr>
+            <a:picLocks noChangeAspect="1"/>
+          </p:cNvPicPr>
+          <p:nvPr/>
+        </p:nvPicPr>
+        <p:blipFill>
+          <a:blip r:embed="rId3">
+            <a:alphaModFix amt="85000"/>
+          </a:blip>
+          <a:stretch>
+            <a:fillRect/>
+          </a:stretch>
+        </p:blipFill>
+        <p:spPr>
+          <a:xfrm>
+            <a:off x="2309122" y="1981200"/>
+            <a:ext cx="8319800" cy="4696965"/>
+          </a:xfrm>
+          <a:prstGeom prst="rect">
+            <a:avLst/>
+          </a:prstGeom>
+          <a:ln>
+            <a:noFill/>
+          </a:ln>
+          <a:effectLst>
+            <a:outerShdw blurRad="292100" dist="139700" dir="2700000" algn="tl" rotWithShape="0">
+              <a:srgbClr val="333333">
+                <a:alpha val="65000"/>
+              </a:srgbClr>
+            </a:outerShdw>
+          </a:effectLst>
+        </p:spPr>
+      </p:pic>
+    </p:spTree>
+    <p:extLst>
+      <p:ext uri="{BB962C8B-B14F-4D97-AF65-F5344CB8AC3E}">
+        <p14:creationId xmlns:p14="http://schemas.microsoft.com/office/powerpoint/2010/main" val="2010881012"/>
+      </p:ext>
+    </p:extLst>
+  </p:cSld>
+  <p:clrMapOvr>
+    <a:masterClrMapping/>
+  </p:clrMapOvr>
+  <mc:AlternateContent xmlns:mc="http://schemas.openxmlformats.org/markup-compatibility/2006">
+    <mc:Choice xmlns:p14="http://schemas.microsoft.com/office/powerpoint/2010/main" Requires="p14">
+      <p:transition spd="med" p14:dur="700">
+        <p:fade/>
+      </p:transition>
+    </mc:Choice>
+    <mc:Fallback>
+      <p:transition spd="med">
+        <p:fade/>
+      </p:transition>
+    </mc:Fallback>
+  </mc:AlternateContent>
+</p:sld>
+</file>
+
+<file path=ppt/slides/slide7.xml><?xml version="1.0" encoding="utf-8"?>
+<p:sld xmlns:a="http://schemas.openxmlformats.org/drawingml/2006/main" xmlns:r="http://schemas.openxmlformats.org/officeDocument/2006/relationships" xmlns:p="http://schemas.openxmlformats.org/presentationml/2006/main">
+  <p:cSld>
+    <p:spTree>
+      <p:nvGrpSpPr>
+        <p:cNvPr id="1" name="">
+          <a:extLst>
+            <a:ext uri="{FF2B5EF4-FFF2-40B4-BE49-F238E27FC236}">
+              <a16:creationId xmlns:a16="http://schemas.microsoft.com/office/drawing/2014/main" id="{8064DFEC-97B1-72B4-6CC1-E9D1A686028A}"/>
+            </a:ext>
+          </a:extLst>
+        </p:cNvPr>
+        <p:cNvGrpSpPr/>
+        <p:nvPr/>
+      </p:nvGrpSpPr>
+      <p:grpSpPr>
+        <a:xfrm>
+          <a:off x="0" y="0"/>
+          <a:ext cx="0" cy="0"/>
+          <a:chOff x="0" y="0"/>
+          <a:chExt cx="0" cy="0"/>
+        </a:xfrm>
+      </p:grpSpPr>
+      <p:sp>
+        <p:nvSpPr>
+          <p:cNvPr id="13" name="Title 12">
+            <a:extLst>
+              <a:ext uri="{FF2B5EF4-FFF2-40B4-BE49-F238E27FC236}">
+                <a16:creationId xmlns:a16="http://schemas.microsoft.com/office/drawing/2014/main" id="{1CA84B4B-3294-3903-847C-9E3018B59D38}"/>
+              </a:ext>
+            </a:extLst>
+          </p:cNvPr>
+          <p:cNvSpPr>
+            <a:spLocks noGrp="1"/>
+          </p:cNvSpPr>
+          <p:nvPr>
+            <p:ph type="title"/>
+          </p:nvPr>
+        </p:nvSpPr>
+        <p:spPr>
+          <a:xfrm>
+            <a:off x="3848448" y="789138"/>
+            <a:ext cx="7656163" cy="1223963"/>
+          </a:xfrm>
+        </p:spPr>
+        <p:txBody>
+          <a:bodyPr anchor="ctr">
+            <a:normAutofit/>
+          </a:bodyPr>
+          <a:lstStyle/>
+          <a:p>
+            <a:r>
+              <a:rPr lang="en-US" sz="4800" b="1" dirty="0"/>
+              <a:t>2. </a:t>
+            </a:r>
+            <a:r>
+              <a:rPr lang="en-US" altLang="zh-CN" sz="4800" b="1" dirty="0"/>
+              <a:t>Writing </a:t>
+            </a:r>
+            <a:r>
+              <a:rPr lang="en-US" sz="4800" b="1" dirty="0"/>
+              <a:t>Data to Neo4j</a:t>
+            </a:r>
+            <a:endParaRPr lang="en-US" sz="4400" dirty="0"/>
+          </a:p>
+        </p:txBody>
+      </p:sp>
+      <p:sp>
+        <p:nvSpPr>
+          <p:cNvPr id="2" name="Title 1">
+            <a:extLst>
+              <a:ext uri="{FF2B5EF4-FFF2-40B4-BE49-F238E27FC236}">
+                <a16:creationId xmlns:a16="http://schemas.microsoft.com/office/drawing/2014/main" id="{88C5ACEF-4423-8947-45C6-146620A5573E}"/>
+              </a:ext>
+            </a:extLst>
+          </p:cNvPr>
+          <p:cNvSpPr txBox="1">
+            <a:spLocks/>
+          </p:cNvSpPr>
+          <p:nvPr/>
+        </p:nvSpPr>
+        <p:spPr>
+          <a:xfrm>
+            <a:off x="836612" y="28876"/>
+            <a:ext cx="6145636" cy="863600"/>
+          </a:xfrm>
+          <a:prstGeom prst="rect">
+            <a:avLst/>
+          </a:prstGeom>
+        </p:spPr>
+        <p:txBody>
+          <a:bodyPr vert="horz" lIns="121899" tIns="60949" rIns="121899" bIns="60949" rtlCol="0" anchor="ctr">
+            <a:normAutofit fontScale="92500"/>
+          </a:bodyPr>
+          <a:lstStyle>
+            <a:lvl1pPr algn="l" defTabSz="1218987" rtl="0" eaLnBrk="1" latinLnBrk="0" hangingPunct="1">
+              <a:lnSpc>
+                <a:spcPct val="90000"/>
+              </a:lnSpc>
+              <a:spcBef>
+                <a:spcPct val="0"/>
+              </a:spcBef>
+              <a:buNone/>
+              <a:defRPr sz="3600" kern="1200">
+                <a:solidFill>
+                  <a:schemeClr val="tx1"/>
+                </a:solidFill>
+                <a:latin typeface="+mj-lt"/>
+                <a:ea typeface="+mj-ea"/>
+                <a:cs typeface="+mj-cs"/>
+              </a:defRPr>
+            </a:lvl1pPr>
+          </a:lstStyle>
+          <a:p>
+            <a:r>
+              <a:rPr lang="en-US" sz="5400" dirty="0"/>
+              <a:t>Cypher Fundamentals</a:t>
+            </a:r>
+          </a:p>
+        </p:txBody>
+      </p:sp>
+      <p:sp>
+        <p:nvSpPr>
+          <p:cNvPr id="5" name="TextBox 4">
+            <a:extLst>
+              <a:ext uri="{FF2B5EF4-FFF2-40B4-BE49-F238E27FC236}">
+                <a16:creationId xmlns:a16="http://schemas.microsoft.com/office/drawing/2014/main" id="{86F56290-FE61-DB5B-03A6-0A242282569F}"/>
+              </a:ext>
+            </a:extLst>
+          </p:cNvPr>
+          <p:cNvSpPr txBox="1"/>
+          <p:nvPr/>
+        </p:nvSpPr>
+        <p:spPr>
+          <a:xfrm>
+            <a:off x="2299246" y="685800"/>
+            <a:ext cx="1329210" cy="1446550"/>
+          </a:xfrm>
+          <a:prstGeom prst="rect">
+            <a:avLst/>
+          </a:prstGeom>
+          <a:noFill/>
+        </p:spPr>
+        <p:txBody>
+          <a:bodyPr wrap="none" rtlCol="0" anchor="ctr">
+            <a:spAutoFit/>
+          </a:bodyPr>
+          <a:lstStyle/>
+          <a:p>
+            <a:pPr algn="ctr"/>
+            <a:r>
+              <a:rPr lang="en-US" sz="8800" b="1" dirty="0"/>
+              <a:t>06</a:t>
+            </a:r>
+          </a:p>
+        </p:txBody>
+      </p:sp>
+      <p:pic>
+        <p:nvPicPr>
+          <p:cNvPr id="6" name="Picture 5">
+            <a:extLst>
+              <a:ext uri="{FF2B5EF4-FFF2-40B4-BE49-F238E27FC236}">
+                <a16:creationId xmlns:a16="http://schemas.microsoft.com/office/drawing/2014/main" id="{B398D44C-5CE6-7C30-23DE-C6E309A605BE}"/>
+              </a:ext>
+            </a:extLst>
+          </p:cNvPr>
+          <p:cNvPicPr>
+            <a:picLocks noChangeAspect="1"/>
+          </p:cNvPicPr>
+          <p:nvPr/>
+        </p:nvPicPr>
+        <p:blipFill>
+          <a:blip r:embed="rId2"/>
+          <a:stretch>
+            <a:fillRect/>
+          </a:stretch>
+        </p:blipFill>
+        <p:spPr>
+          <a:xfrm>
+            <a:off x="0" y="789138"/>
+            <a:ext cx="2385815" cy="1239873"/>
+          </a:xfrm>
+          <a:prstGeom prst="rect">
+            <a:avLst/>
+          </a:prstGeom>
+          <a:ln>
+            <a:noFill/>
+          </a:ln>
+          <a:effectLst>
+            <a:softEdge rad="112500"/>
+          </a:effectLst>
+        </p:spPr>
+      </p:pic>
+      <p:pic>
+        <p:nvPicPr>
+          <p:cNvPr id="4" name="Picture 3">
+            <a:extLst>
+              <a:ext uri="{FF2B5EF4-FFF2-40B4-BE49-F238E27FC236}">
+                <a16:creationId xmlns:a16="http://schemas.microsoft.com/office/drawing/2014/main" id="{0A0E41D1-9B9B-7351-0865-291FF4AD5039}"/>
+              </a:ext>
+            </a:extLst>
+          </p:cNvPr>
+          <p:cNvPicPr>
+            <a:picLocks noChangeAspect="1"/>
+          </p:cNvPicPr>
+          <p:nvPr/>
+        </p:nvPicPr>
+        <p:blipFill>
+          <a:blip r:embed="rId3">
+            <a:alphaModFix amt="85000"/>
+          </a:blip>
+          <a:stretch>
+            <a:fillRect/>
+          </a:stretch>
+        </p:blipFill>
+        <p:spPr>
+          <a:xfrm>
+            <a:off x="2436812" y="1905000"/>
+            <a:ext cx="8560369" cy="4776647"/>
+          </a:xfrm>
+          <a:prstGeom prst="rect">
+            <a:avLst/>
+          </a:prstGeom>
+          <a:ln>
+            <a:noFill/>
+          </a:ln>
+          <a:effectLst>
+            <a:outerShdw blurRad="292100" dist="139700" dir="2700000" algn="tl" rotWithShape="0">
+              <a:srgbClr val="333333">
+                <a:alpha val="65000"/>
+              </a:srgbClr>
+            </a:outerShdw>
+          </a:effectLst>
+        </p:spPr>
+      </p:pic>
+    </p:spTree>
+    <p:extLst>
+      <p:ext uri="{BB962C8B-B14F-4D97-AF65-F5344CB8AC3E}">
+        <p14:creationId xmlns:p14="http://schemas.microsoft.com/office/powerpoint/2010/main" val="2693626059"/>
+      </p:ext>
+    </p:extLst>
+  </p:cSld>
+  <p:clrMapOvr>
+    <a:masterClrMapping/>
+  </p:clrMapOvr>
+  <mc:AlternateContent xmlns:mc="http://schemas.openxmlformats.org/markup-compatibility/2006">
+    <mc:Choice xmlns:p14="http://schemas.microsoft.com/office/powerpoint/2010/main" Requires="p14">
+      <p:transition spd="med" p14:dur="700">
+        <p:fade/>
+      </p:transition>
+    </mc:Choice>
+    <mc:Fallback>
+      <p:transition spd="med">
+        <p:fade/>
+      </p:transition>
+    </mc:Fallback>
+  </mc:AlternateContent>
+</p:sld>
+</file>
+
+<file path=ppt/slides/slide8.xml><?xml version="1.0" encoding="utf-8"?>
 <p:sld xmlns:a="http://schemas.openxmlformats.org/drawingml/2006/main" xmlns:r="http://schemas.openxmlformats.org/officeDocument/2006/relationships" xmlns:p="http://schemas.openxmlformats.org/presentationml/2006/main">
   <p:cSld>
     <p:spTree>
